--- a/Presentation/ProjetSTM32.pptx
+++ b/Presentation/ProjetSTM32.pptx
@@ -4,11 +4,15 @@
   <p:sldMasterIdLst>
     <p:sldMasterId id="2147483693" r:id="rId1"/>
   </p:sldMasterIdLst>
+  <p:notesMasterIdLst>
+    <p:notesMasterId r:id="rId7"/>
+  </p:notesMasterIdLst>
   <p:sldIdLst>
     <p:sldId id="256" r:id="rId2"/>
     <p:sldId id="257" r:id="rId3"/>
     <p:sldId id="258" r:id="rId4"/>
     <p:sldId id="259" r:id="rId5"/>
+    <p:sldId id="260" r:id="rId6"/>
   </p:sldIdLst>
   <p:sldSz cx="12192000" cy="6858000"/>
   <p:notesSz cx="6858000" cy="9144000"/>
@@ -115,6 +119,446 @@
 </p:presentation>
 </file>
 
+<file path=ppt/notesMasters/notesMaster1.xml><?xml version="1.0" encoding="utf-8"?>
+<p:notesMaster xmlns:a="http://schemas.openxmlformats.org/drawingml/2006/main" xmlns:r="http://schemas.openxmlformats.org/officeDocument/2006/relationships" xmlns:p="http://schemas.openxmlformats.org/presentationml/2006/main">
+  <p:cSld>
+    <p:bg>
+      <p:bgRef idx="1001">
+        <a:schemeClr val="bg1"/>
+      </p:bgRef>
+    </p:bg>
+    <p:spTree>
+      <p:nvGrpSpPr>
+        <p:cNvPr id="1" name=""/>
+        <p:cNvGrpSpPr/>
+        <p:nvPr/>
+      </p:nvGrpSpPr>
+      <p:grpSpPr>
+        <a:xfrm>
+          <a:off x="0" y="0"/>
+          <a:ext cx="0" cy="0"/>
+          <a:chOff x="0" y="0"/>
+          <a:chExt cx="0" cy="0"/>
+        </a:xfrm>
+      </p:grpSpPr>
+      <p:sp>
+        <p:nvSpPr>
+          <p:cNvPr id="2" name="Espace réservé de l'en-tête 1"/>
+          <p:cNvSpPr>
+            <a:spLocks noGrp="1"/>
+          </p:cNvSpPr>
+          <p:nvPr>
+            <p:ph type="hdr" sz="quarter"/>
+          </p:nvPr>
+        </p:nvSpPr>
+        <p:spPr>
+          <a:xfrm>
+            <a:off x="0" y="0"/>
+            <a:ext cx="2971800" cy="458788"/>
+          </a:xfrm>
+          <a:prstGeom prst="rect">
+            <a:avLst/>
+          </a:prstGeom>
+        </p:spPr>
+        <p:txBody>
+          <a:bodyPr vert="horz" lIns="91440" tIns="45720" rIns="91440" bIns="45720" rtlCol="0"/>
+          <a:lstStyle>
+            <a:lvl1pPr algn="l">
+              <a:defRPr sz="1200"/>
+            </a:lvl1pPr>
+          </a:lstStyle>
+          <a:p>
+            <a:endParaRPr lang="fr-FR" dirty="0"/>
+          </a:p>
+        </p:txBody>
+      </p:sp>
+      <p:sp>
+        <p:nvSpPr>
+          <p:cNvPr id="3" name="Espace réservé de la date 2"/>
+          <p:cNvSpPr>
+            <a:spLocks noGrp="1"/>
+          </p:cNvSpPr>
+          <p:nvPr>
+            <p:ph type="dt" idx="1"/>
+          </p:nvPr>
+        </p:nvSpPr>
+        <p:spPr>
+          <a:xfrm>
+            <a:off x="3884613" y="0"/>
+            <a:ext cx="2971800" cy="458788"/>
+          </a:xfrm>
+          <a:prstGeom prst="rect">
+            <a:avLst/>
+          </a:prstGeom>
+        </p:spPr>
+        <p:txBody>
+          <a:bodyPr vert="horz" lIns="91440" tIns="45720" rIns="91440" bIns="45720" rtlCol="0"/>
+          <a:lstStyle>
+            <a:lvl1pPr algn="r">
+              <a:defRPr sz="1200"/>
+            </a:lvl1pPr>
+          </a:lstStyle>
+          <a:p>
+            <a:fld id="{7670425F-BB30-41C3-A714-35FA039FA646}" type="datetimeFigureOut">
+              <a:rPr lang="fr-FR" smtClean="0"/>
+              <a:t>07/12/2019</a:t>
+            </a:fld>
+            <a:endParaRPr lang="fr-FR" dirty="0"/>
+          </a:p>
+        </p:txBody>
+      </p:sp>
+      <p:sp>
+        <p:nvSpPr>
+          <p:cNvPr id="4" name="Espace réservé de l'image des diapositives 3"/>
+          <p:cNvSpPr>
+            <a:spLocks noGrp="1" noRot="1" noChangeAspect="1"/>
+          </p:cNvSpPr>
+          <p:nvPr>
+            <p:ph type="sldImg" idx="2"/>
+          </p:nvPr>
+        </p:nvSpPr>
+        <p:spPr>
+          <a:xfrm>
+            <a:off x="685800" y="1143000"/>
+            <a:ext cx="5486400" cy="3086100"/>
+          </a:xfrm>
+          <a:prstGeom prst="rect">
+            <a:avLst/>
+          </a:prstGeom>
+          <a:noFill/>
+          <a:ln w="12700">
+            <a:solidFill>
+              <a:prstClr val="black"/>
+            </a:solidFill>
+          </a:ln>
+        </p:spPr>
+        <p:txBody>
+          <a:bodyPr vert="horz" lIns="91440" tIns="45720" rIns="91440" bIns="45720" rtlCol="0" anchor="ctr"/>
+          <a:lstStyle/>
+          <a:p>
+            <a:endParaRPr lang="fr-FR" dirty="0"/>
+          </a:p>
+        </p:txBody>
+      </p:sp>
+      <p:sp>
+        <p:nvSpPr>
+          <p:cNvPr id="5" name="Espace réservé des notes 4"/>
+          <p:cNvSpPr>
+            <a:spLocks noGrp="1"/>
+          </p:cNvSpPr>
+          <p:nvPr>
+            <p:ph type="body" sz="quarter" idx="3"/>
+          </p:nvPr>
+        </p:nvSpPr>
+        <p:spPr>
+          <a:xfrm>
+            <a:off x="685800" y="4400550"/>
+            <a:ext cx="5486400" cy="3600450"/>
+          </a:xfrm>
+          <a:prstGeom prst="rect">
+            <a:avLst/>
+          </a:prstGeom>
+        </p:spPr>
+        <p:txBody>
+          <a:bodyPr vert="horz" lIns="91440" tIns="45720" rIns="91440" bIns="45720" rtlCol="0"/>
+          <a:lstStyle/>
+          <a:p>
+            <a:pPr lvl="0"/>
+            <a:r>
+              <a:rPr lang="fr-FR"/>
+              <a:t>Cliquez pour modifier les styles du texte du masque</a:t>
+            </a:r>
+          </a:p>
+          <a:p>
+            <a:pPr lvl="1"/>
+            <a:r>
+              <a:rPr lang="fr-FR"/>
+              <a:t>Deuxième niveau</a:t>
+            </a:r>
+          </a:p>
+          <a:p>
+            <a:pPr lvl="2"/>
+            <a:r>
+              <a:rPr lang="fr-FR"/>
+              <a:t>Troisième niveau</a:t>
+            </a:r>
+          </a:p>
+          <a:p>
+            <a:pPr lvl="3"/>
+            <a:r>
+              <a:rPr lang="fr-FR"/>
+              <a:t>Quatrième niveau</a:t>
+            </a:r>
+          </a:p>
+          <a:p>
+            <a:pPr lvl="4"/>
+            <a:r>
+              <a:rPr lang="fr-FR"/>
+              <a:t>Cinquième niveau</a:t>
+            </a:r>
+          </a:p>
+        </p:txBody>
+      </p:sp>
+      <p:sp>
+        <p:nvSpPr>
+          <p:cNvPr id="6" name="Espace réservé du pied de page 5"/>
+          <p:cNvSpPr>
+            <a:spLocks noGrp="1"/>
+          </p:cNvSpPr>
+          <p:nvPr>
+            <p:ph type="ftr" sz="quarter" idx="4"/>
+          </p:nvPr>
+        </p:nvSpPr>
+        <p:spPr>
+          <a:xfrm>
+            <a:off x="0" y="8685213"/>
+            <a:ext cx="2971800" cy="458787"/>
+          </a:xfrm>
+          <a:prstGeom prst="rect">
+            <a:avLst/>
+          </a:prstGeom>
+        </p:spPr>
+        <p:txBody>
+          <a:bodyPr vert="horz" lIns="91440" tIns="45720" rIns="91440" bIns="45720" rtlCol="0" anchor="b"/>
+          <a:lstStyle>
+            <a:lvl1pPr algn="l">
+              <a:defRPr sz="1200"/>
+            </a:lvl1pPr>
+          </a:lstStyle>
+          <a:p>
+            <a:endParaRPr lang="fr-FR" dirty="0"/>
+          </a:p>
+        </p:txBody>
+      </p:sp>
+      <p:sp>
+        <p:nvSpPr>
+          <p:cNvPr id="7" name="Espace réservé du numéro de diapositive 6"/>
+          <p:cNvSpPr>
+            <a:spLocks noGrp="1"/>
+          </p:cNvSpPr>
+          <p:nvPr>
+            <p:ph type="sldNum" sz="quarter" idx="5"/>
+          </p:nvPr>
+        </p:nvSpPr>
+        <p:spPr>
+          <a:xfrm>
+            <a:off x="3884613" y="8685213"/>
+            <a:ext cx="2971800" cy="458787"/>
+          </a:xfrm>
+          <a:prstGeom prst="rect">
+            <a:avLst/>
+          </a:prstGeom>
+        </p:spPr>
+        <p:txBody>
+          <a:bodyPr vert="horz" lIns="91440" tIns="45720" rIns="91440" bIns="45720" rtlCol="0" anchor="b"/>
+          <a:lstStyle>
+            <a:lvl1pPr algn="r">
+              <a:defRPr sz="1200"/>
+            </a:lvl1pPr>
+          </a:lstStyle>
+          <a:p>
+            <a:fld id="{969005FE-E1BF-4D50-A5F2-5F8A1A854337}" type="slidenum">
+              <a:rPr lang="fr-FR" smtClean="0"/>
+              <a:t>‹N°›</a:t>
+            </a:fld>
+            <a:endParaRPr lang="fr-FR" dirty="0"/>
+          </a:p>
+        </p:txBody>
+      </p:sp>
+    </p:spTree>
+    <p:extLst>
+      <p:ext uri="{BB962C8B-B14F-4D97-AF65-F5344CB8AC3E}">
+        <p14:creationId xmlns:p14="http://schemas.microsoft.com/office/powerpoint/2010/main" val="2648224212"/>
+      </p:ext>
+    </p:extLst>
+  </p:cSld>
+  <p:clrMap bg1="lt1" tx1="dk1" bg2="lt2" tx2="dk2" accent1="accent1" accent2="accent2" accent3="accent3" accent4="accent4" accent5="accent5" accent6="accent6" hlink="hlink" folHlink="folHlink"/>
+  <p:notesStyle>
+    <a:lvl1pPr marL="0" algn="l" defTabSz="914400" rtl="0" eaLnBrk="1" latinLnBrk="0" hangingPunct="1">
+      <a:defRPr sz="1200" kern="1200">
+        <a:solidFill>
+          <a:schemeClr val="tx1"/>
+        </a:solidFill>
+        <a:latin typeface="+mn-lt"/>
+        <a:ea typeface="+mn-ea"/>
+        <a:cs typeface="+mn-cs"/>
+      </a:defRPr>
+    </a:lvl1pPr>
+    <a:lvl2pPr marL="457200" algn="l" defTabSz="914400" rtl="0" eaLnBrk="1" latinLnBrk="0" hangingPunct="1">
+      <a:defRPr sz="1200" kern="1200">
+        <a:solidFill>
+          <a:schemeClr val="tx1"/>
+        </a:solidFill>
+        <a:latin typeface="+mn-lt"/>
+        <a:ea typeface="+mn-ea"/>
+        <a:cs typeface="+mn-cs"/>
+      </a:defRPr>
+    </a:lvl2pPr>
+    <a:lvl3pPr marL="914400" algn="l" defTabSz="914400" rtl="0" eaLnBrk="1" latinLnBrk="0" hangingPunct="1">
+      <a:defRPr sz="1200" kern="1200">
+        <a:solidFill>
+          <a:schemeClr val="tx1"/>
+        </a:solidFill>
+        <a:latin typeface="+mn-lt"/>
+        <a:ea typeface="+mn-ea"/>
+        <a:cs typeface="+mn-cs"/>
+      </a:defRPr>
+    </a:lvl3pPr>
+    <a:lvl4pPr marL="1371600" algn="l" defTabSz="914400" rtl="0" eaLnBrk="1" latinLnBrk="0" hangingPunct="1">
+      <a:defRPr sz="1200" kern="1200">
+        <a:solidFill>
+          <a:schemeClr val="tx1"/>
+        </a:solidFill>
+        <a:latin typeface="+mn-lt"/>
+        <a:ea typeface="+mn-ea"/>
+        <a:cs typeface="+mn-cs"/>
+      </a:defRPr>
+    </a:lvl4pPr>
+    <a:lvl5pPr marL="1828800" algn="l" defTabSz="914400" rtl="0" eaLnBrk="1" latinLnBrk="0" hangingPunct="1">
+      <a:defRPr sz="1200" kern="1200">
+        <a:solidFill>
+          <a:schemeClr val="tx1"/>
+        </a:solidFill>
+        <a:latin typeface="+mn-lt"/>
+        <a:ea typeface="+mn-ea"/>
+        <a:cs typeface="+mn-cs"/>
+      </a:defRPr>
+    </a:lvl5pPr>
+    <a:lvl6pPr marL="2286000" algn="l" defTabSz="914400" rtl="0" eaLnBrk="1" latinLnBrk="0" hangingPunct="1">
+      <a:defRPr sz="1200" kern="1200">
+        <a:solidFill>
+          <a:schemeClr val="tx1"/>
+        </a:solidFill>
+        <a:latin typeface="+mn-lt"/>
+        <a:ea typeface="+mn-ea"/>
+        <a:cs typeface="+mn-cs"/>
+      </a:defRPr>
+    </a:lvl6pPr>
+    <a:lvl7pPr marL="2743200" algn="l" defTabSz="914400" rtl="0" eaLnBrk="1" latinLnBrk="0" hangingPunct="1">
+      <a:defRPr sz="1200" kern="1200">
+        <a:solidFill>
+          <a:schemeClr val="tx1"/>
+        </a:solidFill>
+        <a:latin typeface="+mn-lt"/>
+        <a:ea typeface="+mn-ea"/>
+        <a:cs typeface="+mn-cs"/>
+      </a:defRPr>
+    </a:lvl7pPr>
+    <a:lvl8pPr marL="3200400" algn="l" defTabSz="914400" rtl="0" eaLnBrk="1" latinLnBrk="0" hangingPunct="1">
+      <a:defRPr sz="1200" kern="1200">
+        <a:solidFill>
+          <a:schemeClr val="tx1"/>
+        </a:solidFill>
+        <a:latin typeface="+mn-lt"/>
+        <a:ea typeface="+mn-ea"/>
+        <a:cs typeface="+mn-cs"/>
+      </a:defRPr>
+    </a:lvl8pPr>
+    <a:lvl9pPr marL="3657600" algn="l" defTabSz="914400" rtl="0" eaLnBrk="1" latinLnBrk="0" hangingPunct="1">
+      <a:defRPr sz="1200" kern="1200">
+        <a:solidFill>
+          <a:schemeClr val="tx1"/>
+        </a:solidFill>
+        <a:latin typeface="+mn-lt"/>
+        <a:ea typeface="+mn-ea"/>
+        <a:cs typeface="+mn-cs"/>
+      </a:defRPr>
+    </a:lvl9pPr>
+  </p:notesStyle>
+</p:notesMaster>
+</file>
+
+<file path=ppt/notesSlides/notesSlide1.xml><?xml version="1.0" encoding="utf-8"?>
+<p:notes xmlns:a="http://schemas.openxmlformats.org/drawingml/2006/main" xmlns:r="http://schemas.openxmlformats.org/officeDocument/2006/relationships" xmlns:p="http://schemas.openxmlformats.org/presentationml/2006/main">
+  <p:cSld>
+    <p:spTree>
+      <p:nvGrpSpPr>
+        <p:cNvPr id="1" name=""/>
+        <p:cNvGrpSpPr/>
+        <p:nvPr/>
+      </p:nvGrpSpPr>
+      <p:grpSpPr>
+        <a:xfrm>
+          <a:off x="0" y="0"/>
+          <a:ext cx="0" cy="0"/>
+          <a:chOff x="0" y="0"/>
+          <a:chExt cx="0" cy="0"/>
+        </a:xfrm>
+      </p:grpSpPr>
+      <p:sp>
+        <p:nvSpPr>
+          <p:cNvPr id="2" name="Espace réservé de l'image des diapositives 1"/>
+          <p:cNvSpPr>
+            <a:spLocks noGrp="1" noRot="1" noChangeAspect="1"/>
+          </p:cNvSpPr>
+          <p:nvPr>
+            <p:ph type="sldImg"/>
+          </p:nvPr>
+        </p:nvSpPr>
+        <p:spPr/>
+      </p:sp>
+      <p:sp>
+        <p:nvSpPr>
+          <p:cNvPr id="3" name="Espace réservé des notes 2"/>
+          <p:cNvSpPr>
+            <a:spLocks noGrp="1"/>
+          </p:cNvSpPr>
+          <p:nvPr>
+            <p:ph type="body" idx="1"/>
+          </p:nvPr>
+        </p:nvSpPr>
+        <p:spPr/>
+        <p:txBody>
+          <a:bodyPr/>
+          <a:lstStyle/>
+          <a:p>
+            <a:pPr marL="228600" indent="-228600">
+              <a:buFont typeface="+mj-lt"/>
+              <a:buAutoNum type="arabicPeriod"/>
+            </a:pPr>
+            <a:r>
+              <a:rPr lang="fr-FR" dirty="0"/>
+              <a:t>Flèche marron (affiche la vitesse du moteur qu’on a configuré)</a:t>
+            </a:r>
+          </a:p>
+        </p:txBody>
+      </p:sp>
+      <p:sp>
+        <p:nvSpPr>
+          <p:cNvPr id="4" name="Espace réservé du numéro de diapositive 3"/>
+          <p:cNvSpPr>
+            <a:spLocks noGrp="1"/>
+          </p:cNvSpPr>
+          <p:nvPr>
+            <p:ph type="sldNum" sz="quarter" idx="5"/>
+          </p:nvPr>
+        </p:nvSpPr>
+        <p:spPr/>
+        <p:txBody>
+          <a:bodyPr/>
+          <a:lstStyle/>
+          <a:p>
+            <a:fld id="{969005FE-E1BF-4D50-A5F2-5F8A1A854337}" type="slidenum">
+              <a:rPr lang="fr-FR" smtClean="0"/>
+              <a:t>4</a:t>
+            </a:fld>
+            <a:endParaRPr lang="fr-FR" dirty="0"/>
+          </a:p>
+        </p:txBody>
+      </p:sp>
+    </p:spTree>
+    <p:extLst>
+      <p:ext uri="{BB962C8B-B14F-4D97-AF65-F5344CB8AC3E}">
+        <p14:creationId xmlns:p14="http://schemas.microsoft.com/office/powerpoint/2010/main" val="2704904904"/>
+      </p:ext>
+    </p:extLst>
+  </p:cSld>
+  <p:clrMapOvr>
+    <a:masterClrMapping/>
+  </p:clrMapOvr>
+</p:notes>
+</file>
+
 <file path=ppt/slideLayouts/slideLayout1.xml><?xml version="1.0" encoding="utf-8"?>
 <p:sldLayout xmlns:a="http://schemas.openxmlformats.org/drawingml/2006/main" xmlns:r="http://schemas.openxmlformats.org/officeDocument/2006/relationships" xmlns:p="http://schemas.openxmlformats.org/presentationml/2006/main" type="title" preserve="1">
   <p:cSld name="Diapositive de titre">
@@ -210,7 +654,7 @@
           <a:effectLst/>
           <a:extLst>
             <a:ext uri="{91240B29-F687-4f45-9708-019B960494DF}">
-              <a14:hiddenLine xmlns:a14="http://schemas.microsoft.com/office/drawing/2010/main" xmlns="" w="9525">
+              <a14:hiddenLine xmlns="" xmlns:a14="http://schemas.microsoft.com/office/drawing/2010/main" w="9525">
                 <a:solidFill>
                   <a:srgbClr val="000000"/>
                 </a:solidFill>
@@ -629,7 +1073,7 @@
           </a:lstStyle>
           <a:p>
             <a:r>
-              <a:rPr lang="fr-FR"/>
+              <a:rPr lang="fr-FR" dirty="0"/>
               <a:t>Cliquez sur l'icône pour ajouter une image</a:t>
             </a:r>
             <a:endParaRPr lang="en-US" dirty="0"/>
@@ -1738,7 +2182,7 @@
           <a:ln/>
           <a:extLst>
             <a:ext uri="{91240B29-F687-4f45-9708-019B960494DF}">
-              <a14:hiddenLine xmlns:a14="http://schemas.microsoft.com/office/drawing/2010/main" xmlns="" w="9525">
+              <a14:hiddenLine xmlns="" xmlns:a14="http://schemas.microsoft.com/office/drawing/2010/main" w="9525">
                 <a:solidFill>
                   <a:srgbClr val="000000"/>
                 </a:solidFill>
@@ -2013,7 +2457,7 @@
           <a:ln/>
           <a:extLst>
             <a:ext uri="{91240B29-F687-4f45-9708-019B960494DF}">
-              <a14:hiddenLine xmlns:a14="http://schemas.microsoft.com/office/drawing/2010/main" xmlns="" w="9525">
+              <a14:hiddenLine xmlns="" xmlns:a14="http://schemas.microsoft.com/office/drawing/2010/main" w="9525">
                 <a:solidFill>
                   <a:srgbClr val="000000"/>
                 </a:solidFill>
@@ -2296,7 +2740,7 @@
           <a:ln/>
           <a:extLst>
             <a:ext uri="{91240B29-F687-4f45-9708-019B960494DF}">
-              <a14:hiddenLine xmlns:a14="http://schemas.microsoft.com/office/drawing/2010/main" xmlns="" w="9525">
+              <a14:hiddenLine xmlns="" xmlns:a14="http://schemas.microsoft.com/office/drawing/2010/main" w="9525">
                 <a:solidFill>
                   <a:srgbClr val="000000"/>
                 </a:solidFill>
@@ -2922,7 +3366,7 @@
           <a:ln/>
           <a:extLst>
             <a:ext uri="{91240B29-F687-4f45-9708-019B960494DF}">
-              <a14:hiddenLine xmlns:a14="http://schemas.microsoft.com/office/drawing/2010/main" xmlns="" w="9525">
+              <a14:hiddenLine xmlns="" xmlns:a14="http://schemas.microsoft.com/office/drawing/2010/main" w="9525">
                 <a:solidFill>
                   <a:srgbClr val="000000"/>
                 </a:solidFill>
@@ -3261,7 +3705,7 @@
           <a:ln/>
           <a:extLst>
             <a:ext uri="{91240B29-F687-4f45-9708-019B960494DF}">
-              <a14:hiddenLine xmlns:a14="http://schemas.microsoft.com/office/drawing/2010/main" xmlns="" w="9525">
+              <a14:hiddenLine xmlns="" xmlns:a14="http://schemas.microsoft.com/office/drawing/2010/main" w="9525">
                 <a:solidFill>
                   <a:srgbClr val="000000"/>
                 </a:solidFill>
@@ -3738,7 +4182,7 @@
           <a:ln/>
           <a:extLst>
             <a:ext uri="{91240B29-F687-4f45-9708-019B960494DF}">
-              <a14:hiddenLine xmlns:a14="http://schemas.microsoft.com/office/drawing/2010/main" xmlns="" w="9525">
+              <a14:hiddenLine xmlns="" xmlns:a14="http://schemas.microsoft.com/office/drawing/2010/main" w="9525">
                 <a:solidFill>
                   <a:srgbClr val="000000"/>
                 </a:solidFill>
@@ -4167,7 +4611,7 @@
           <a:ln/>
           <a:extLst>
             <a:ext uri="{91240B29-F687-4f45-9708-019B960494DF}">
-              <a14:hiddenLine xmlns:a14="http://schemas.microsoft.com/office/drawing/2010/main" xmlns="" w="9525">
+              <a14:hiddenLine xmlns="" xmlns:a14="http://schemas.microsoft.com/office/drawing/2010/main" w="9525">
                 <a:solidFill>
                   <a:srgbClr val="000000"/>
                 </a:solidFill>
@@ -4583,7 +5027,7 @@
           </a:lstStyle>
           <a:p>
             <a:r>
-              <a:rPr lang="fr-FR"/>
+              <a:rPr lang="fr-FR" dirty="0"/>
               <a:t>Cliquez sur l'icône pour ajouter une image</a:t>
             </a:r>
             <a:endParaRPr lang="en-US" dirty="0"/>
@@ -5579,13 +6023,13 @@
           <a:p>
             <a:r>
               <a:rPr lang="fr-FR" dirty="0"/>
-              <a:t>Les résultats pourrons être communiqué par UART vers le PC pour le retour d’information.</a:t>
+              <a:t>Les résultats pourrons être communiqué par USART vers le PC pour le retour d’information.</a:t>
             </a:r>
           </a:p>
           <a:p>
             <a:r>
               <a:rPr lang="fr-FR" dirty="0"/>
-              <a:t>Un bouton URGENCE forcera le démarrage du moteur.</a:t>
+              <a:t>Un bouton URGENCE forcera le démarrage du moteur en vitesse max. </a:t>
             </a:r>
           </a:p>
           <a:p>
@@ -5691,36 +6135,20 @@
           <a:p>
             <a:r>
               <a:rPr lang="fr-FR" dirty="0"/>
-              <a:t>1 </a:t>
-            </a:r>
-            <a:r>
-              <a:rPr lang="fr-FR" dirty="0" err="1"/>
-              <a:t>timer</a:t>
-            </a:r>
+              <a:t>1 timer avec IT toutes les secondes</a:t>
+            </a:r>
+          </a:p>
+          <a:p>
             <a:r>
               <a:rPr lang="fr-FR" dirty="0"/>
-              <a:t> avec IT toutes les secondes</a:t>
-            </a:r>
-          </a:p>
-          <a:p>
+              <a:t>1 timer avec 2 channels pour la génération de 2 PWM</a:t>
+            </a:r>
+          </a:p>
+          <a:p>
+            <a:pPr lvl="1"/>
             <a:r>
               <a:rPr lang="fr-FR" dirty="0"/>
-              <a:t>1 </a:t>
-            </a:r>
-            <a:r>
-              <a:rPr lang="fr-FR" dirty="0" err="1"/>
-              <a:t>timer</a:t>
-            </a:r>
-            <a:r>
-              <a:rPr lang="fr-FR" dirty="0"/>
-              <a:t> avec 2 channels pour la génération de 2 PWM</a:t>
-            </a:r>
-          </a:p>
-          <a:p>
-            <a:pPr lvl="1"/>
-            <a:r>
-              <a:rPr lang="fr-FR" dirty="0"/>
-              <a:t>PWM pour le buzzer</a:t>
+              <a:t>PWM pour le buzzer </a:t>
             </a:r>
           </a:p>
           <a:p>
@@ -5733,13 +6161,13 @@
           <a:p>
             <a:r>
               <a:rPr lang="fr-FR" dirty="0"/>
-              <a:t>1 USART2</a:t>
+              <a:t>1 USART</a:t>
             </a:r>
           </a:p>
           <a:p>
             <a:r>
               <a:rPr lang="fr-FR" dirty="0"/>
-              <a:t>(6 GPIO IT) + 1 GPIO pour le NSS du SPI </a:t>
+              <a:t>(6 GPIO IT) dont 5 boutons + 1 GPIO pour le NSS du SPI </a:t>
             </a:r>
           </a:p>
         </p:txBody>
@@ -5797,7 +6225,7 @@
           <a:p>
             <a:r>
               <a:rPr lang="fr-FR" dirty="0"/>
-              <a:t>Diagramme des interactions </a:t>
+              <a:t>DIAGRAMME DES INTERACTIONS</a:t>
             </a:r>
           </a:p>
         </p:txBody>
@@ -5816,7 +6244,7 @@
         </p:nvSpPr>
         <p:spPr>
           <a:xfrm>
-            <a:off x="4861249" y="3429000"/>
+            <a:off x="7820307" y="3354388"/>
             <a:ext cx="1520890" cy="1119674"/>
           </a:xfrm>
           <a:prstGeom prst="rect">
@@ -5865,7 +6293,7 @@
         </p:nvSpPr>
         <p:spPr>
           <a:xfrm>
-            <a:off x="1922105" y="3503612"/>
+            <a:off x="387916" y="3450238"/>
             <a:ext cx="1250303" cy="970450"/>
           </a:xfrm>
           <a:prstGeom prst="rect">
@@ -5921,7 +6349,7 @@
         </p:nvSpPr>
         <p:spPr>
           <a:xfrm>
-            <a:off x="1922104" y="4729033"/>
+            <a:off x="754944" y="5440362"/>
             <a:ext cx="1250303" cy="970450"/>
           </a:xfrm>
           <a:prstGeom prst="rect">
@@ -5951,15 +6379,7 @@
             <a:pPr algn="ctr"/>
             <a:r>
               <a:rPr lang="fr-FR" dirty="0"/>
-              <a:t>Afficheur 7 </a:t>
-            </a:r>
-            <a:r>
-              <a:rPr lang="fr-FR" dirty="0" err="1"/>
-              <a:t>seg</a:t>
-            </a:r>
-            <a:r>
-              <a:rPr lang="fr-FR" dirty="0"/>
-              <a:t> 4 digits</a:t>
+              <a:t>Afficheur 7 seg 4 digits</a:t>
             </a:r>
           </a:p>
         </p:txBody>
@@ -5978,7 +6398,7 @@
         </p:nvSpPr>
         <p:spPr>
           <a:xfrm>
-            <a:off x="8465974" y="3578224"/>
+            <a:off x="2698046" y="5440362"/>
             <a:ext cx="1250303" cy="970450"/>
           </a:xfrm>
           <a:prstGeom prst="rect">
@@ -6027,7 +6447,7 @@
         </p:nvSpPr>
         <p:spPr>
           <a:xfrm>
-            <a:off x="8465973" y="4850297"/>
+            <a:off x="10053037" y="3414691"/>
             <a:ext cx="1250303" cy="970450"/>
           </a:xfrm>
           <a:prstGeom prst="rect">
@@ -6076,7 +6496,7 @@
         </p:nvSpPr>
         <p:spPr>
           <a:xfrm>
-            <a:off x="4996542" y="2271938"/>
+            <a:off x="7955600" y="1915356"/>
             <a:ext cx="1250303" cy="970450"/>
           </a:xfrm>
           <a:prstGeom prst="rect">
@@ -6125,8 +6545,8 @@
         </p:nvGrpSpPr>
         <p:grpSpPr>
           <a:xfrm>
-            <a:off x="4371390" y="4754579"/>
-            <a:ext cx="2500606" cy="1889807"/>
+            <a:off x="4843494" y="2969351"/>
+            <a:ext cx="2216962" cy="1675446"/>
             <a:chOff x="5190929" y="4705091"/>
             <a:chExt cx="2500606" cy="1889807"/>
           </a:xfrm>
@@ -6328,10 +6748,1193 @@
           </p:txBody>
         </p:sp>
       </p:grpSp>
+      <p:cxnSp>
+        <p:nvCxnSpPr>
+          <p:cNvPr id="15" name="Connecteur droit avec flèche 14">
+            <a:extLst>
+              <a:ext uri="{FF2B5EF4-FFF2-40B4-BE49-F238E27FC236}">
+                <a16:creationId xmlns:a16="http://schemas.microsoft.com/office/drawing/2014/main" id="{8B29025C-3672-4B6F-9DBE-32E517AEFE53}"/>
+              </a:ext>
+            </a:extLst>
+          </p:cNvPr>
+          <p:cNvCxnSpPr>
+            <a:cxnSpLocks/>
+          </p:cNvCxnSpPr>
+          <p:nvPr/>
+        </p:nvCxnSpPr>
+        <p:spPr>
+          <a:xfrm>
+            <a:off x="7060455" y="3627986"/>
+            <a:ext cx="759852" cy="0"/>
+          </a:xfrm>
+          <a:prstGeom prst="straightConnector1">
+            <a:avLst/>
+          </a:prstGeom>
+          <a:ln w="50800">
+            <a:tailEnd type="triangle"/>
+          </a:ln>
+        </p:spPr>
+        <p:style>
+          <a:lnRef idx="3">
+            <a:schemeClr val="accent6"/>
+          </a:lnRef>
+          <a:fillRef idx="0">
+            <a:schemeClr val="accent6"/>
+          </a:fillRef>
+          <a:effectRef idx="2">
+            <a:schemeClr val="accent6"/>
+          </a:effectRef>
+          <a:fontRef idx="minor">
+            <a:schemeClr val="tx1"/>
+          </a:fontRef>
+        </p:style>
+      </p:cxnSp>
+      <p:cxnSp>
+        <p:nvCxnSpPr>
+          <p:cNvPr id="16" name="Connecteur droit avec flèche 15">
+            <a:extLst>
+              <a:ext uri="{FF2B5EF4-FFF2-40B4-BE49-F238E27FC236}">
+                <a16:creationId xmlns:a16="http://schemas.microsoft.com/office/drawing/2014/main" id="{EB6B6D5C-6667-4454-93CB-55DE803D1210}"/>
+              </a:ext>
+            </a:extLst>
+          </p:cNvPr>
+          <p:cNvCxnSpPr>
+            <a:cxnSpLocks/>
+            <a:stCxn id="10" idx="3"/>
+          </p:cNvCxnSpPr>
+          <p:nvPr/>
+        </p:nvCxnSpPr>
+        <p:spPr>
+          <a:xfrm>
+            <a:off x="7060455" y="4214611"/>
+            <a:ext cx="759851" cy="0"/>
+          </a:xfrm>
+          <a:prstGeom prst="straightConnector1">
+            <a:avLst/>
+          </a:prstGeom>
+          <a:ln w="50800">
+            <a:tailEnd type="triangle"/>
+          </a:ln>
+        </p:spPr>
+        <p:style>
+          <a:lnRef idx="3">
+            <a:schemeClr val="accent6"/>
+          </a:lnRef>
+          <a:fillRef idx="0">
+            <a:schemeClr val="accent6"/>
+          </a:fillRef>
+          <a:effectRef idx="2">
+            <a:schemeClr val="accent6"/>
+          </a:effectRef>
+          <a:fontRef idx="minor">
+            <a:schemeClr val="tx1"/>
+          </a:fontRef>
+        </p:style>
+      </p:cxnSp>
+      <p:sp>
+        <p:nvSpPr>
+          <p:cNvPr id="17" name="Rectangle 16">
+            <a:extLst>
+              <a:ext uri="{FF2B5EF4-FFF2-40B4-BE49-F238E27FC236}">
+                <a16:creationId xmlns:a16="http://schemas.microsoft.com/office/drawing/2014/main" id="{F287F04D-B4CB-4CC7-A8F3-3A78524D5BC6}"/>
+              </a:ext>
+            </a:extLst>
+          </p:cNvPr>
+          <p:cNvSpPr/>
+          <p:nvPr/>
+        </p:nvSpPr>
+        <p:spPr>
+          <a:xfrm>
+            <a:off x="2562753" y="3375626"/>
+            <a:ext cx="1520890" cy="1119674"/>
+          </a:xfrm>
+          <a:prstGeom prst="rect">
+            <a:avLst/>
+          </a:prstGeom>
+        </p:spPr>
+        <p:style>
+          <a:lnRef idx="2">
+            <a:schemeClr val="accent3">
+              <a:shade val="50000"/>
+            </a:schemeClr>
+          </a:lnRef>
+          <a:fillRef idx="1">
+            <a:schemeClr val="accent3"/>
+          </a:fillRef>
+          <a:effectRef idx="0">
+            <a:schemeClr val="accent3"/>
+          </a:effectRef>
+          <a:fontRef idx="minor">
+            <a:schemeClr val="lt1"/>
+          </a:fontRef>
+        </p:style>
+        <p:txBody>
+          <a:bodyPr rtlCol="0" anchor="ctr"/>
+          <a:lstStyle/>
+          <a:p>
+            <a:pPr algn="ctr"/>
+            <a:r>
+              <a:rPr lang="fr-FR" sz="2800" dirty="0"/>
+              <a:t>MCU</a:t>
+            </a:r>
+          </a:p>
+          <a:p>
+            <a:pPr algn="ctr"/>
+            <a:r>
+              <a:rPr lang="fr-FR" sz="2800" dirty="0"/>
+              <a:t>(BIS)</a:t>
+            </a:r>
+          </a:p>
+        </p:txBody>
+      </p:sp>
+      <p:cxnSp>
+        <p:nvCxnSpPr>
+          <p:cNvPr id="18" name="Connecteur droit avec flèche 17">
+            <a:extLst>
+              <a:ext uri="{FF2B5EF4-FFF2-40B4-BE49-F238E27FC236}">
+                <a16:creationId xmlns:a16="http://schemas.microsoft.com/office/drawing/2014/main" id="{D6BB2D54-381D-47C3-8CB5-4BA2F4BBB6BF}"/>
+              </a:ext>
+            </a:extLst>
+          </p:cNvPr>
+          <p:cNvCxnSpPr>
+            <a:cxnSpLocks/>
+          </p:cNvCxnSpPr>
+          <p:nvPr/>
+        </p:nvCxnSpPr>
+        <p:spPr>
+          <a:xfrm>
+            <a:off x="9377212" y="3472803"/>
+            <a:ext cx="675825" cy="0"/>
+          </a:xfrm>
+          <a:prstGeom prst="straightConnector1">
+            <a:avLst/>
+          </a:prstGeom>
+          <a:ln w="50800">
+            <a:tailEnd type="triangle"/>
+          </a:ln>
+        </p:spPr>
+        <p:style>
+          <a:lnRef idx="3">
+            <a:schemeClr val="accent6"/>
+          </a:lnRef>
+          <a:fillRef idx="0">
+            <a:schemeClr val="accent6"/>
+          </a:fillRef>
+          <a:effectRef idx="2">
+            <a:schemeClr val="accent6"/>
+          </a:effectRef>
+          <a:fontRef idx="minor">
+            <a:schemeClr val="tx1"/>
+          </a:fontRef>
+        </p:style>
+      </p:cxnSp>
+      <p:cxnSp>
+        <p:nvCxnSpPr>
+          <p:cNvPr id="21" name="Connecteur droit avec flèche 20">
+            <a:extLst>
+              <a:ext uri="{FF2B5EF4-FFF2-40B4-BE49-F238E27FC236}">
+                <a16:creationId xmlns:a16="http://schemas.microsoft.com/office/drawing/2014/main" id="{807EBA76-3341-4CA2-88EC-78C063DC83D2}"/>
+              </a:ext>
+            </a:extLst>
+          </p:cNvPr>
+          <p:cNvCxnSpPr>
+            <a:cxnSpLocks/>
+          </p:cNvCxnSpPr>
+          <p:nvPr/>
+        </p:nvCxnSpPr>
+        <p:spPr>
+          <a:xfrm>
+            <a:off x="9377212" y="3846424"/>
+            <a:ext cx="675825" cy="0"/>
+          </a:xfrm>
+          <a:prstGeom prst="straightConnector1">
+            <a:avLst/>
+          </a:prstGeom>
+          <a:ln w="50800">
+            <a:tailEnd type="triangle"/>
+          </a:ln>
+        </p:spPr>
+        <p:style>
+          <a:lnRef idx="3">
+            <a:schemeClr val="accent6"/>
+          </a:lnRef>
+          <a:fillRef idx="0">
+            <a:schemeClr val="accent6"/>
+          </a:fillRef>
+          <a:effectRef idx="2">
+            <a:schemeClr val="accent6"/>
+          </a:effectRef>
+          <a:fontRef idx="minor">
+            <a:schemeClr val="tx1"/>
+          </a:fontRef>
+        </p:style>
+      </p:cxnSp>
+      <p:cxnSp>
+        <p:nvCxnSpPr>
+          <p:cNvPr id="22" name="Connecteur droit avec flèche 21">
+            <a:extLst>
+              <a:ext uri="{FF2B5EF4-FFF2-40B4-BE49-F238E27FC236}">
+                <a16:creationId xmlns:a16="http://schemas.microsoft.com/office/drawing/2014/main" id="{E13384E4-49E5-45D5-B35D-28BBADE991FF}"/>
+              </a:ext>
+            </a:extLst>
+          </p:cNvPr>
+          <p:cNvCxnSpPr>
+            <a:cxnSpLocks/>
+          </p:cNvCxnSpPr>
+          <p:nvPr/>
+        </p:nvCxnSpPr>
+        <p:spPr>
+          <a:xfrm flipH="1" flipV="1">
+            <a:off x="4070449" y="3653993"/>
+            <a:ext cx="773045" cy="4594"/>
+          </a:xfrm>
+          <a:prstGeom prst="straightConnector1">
+            <a:avLst/>
+          </a:prstGeom>
+          <a:ln w="50800">
+            <a:solidFill>
+              <a:schemeClr val="accent3"/>
+            </a:solidFill>
+            <a:tailEnd type="triangle"/>
+          </a:ln>
+        </p:spPr>
+        <p:style>
+          <a:lnRef idx="3">
+            <a:schemeClr val="accent6"/>
+          </a:lnRef>
+          <a:fillRef idx="0">
+            <a:schemeClr val="accent6"/>
+          </a:fillRef>
+          <a:effectRef idx="2">
+            <a:schemeClr val="accent6"/>
+          </a:effectRef>
+          <a:fontRef idx="minor">
+            <a:schemeClr val="tx1"/>
+          </a:fontRef>
+        </p:style>
+      </p:cxnSp>
+      <p:cxnSp>
+        <p:nvCxnSpPr>
+          <p:cNvPr id="25" name="Connecteur droit avec flèche 24">
+            <a:extLst>
+              <a:ext uri="{FF2B5EF4-FFF2-40B4-BE49-F238E27FC236}">
+                <a16:creationId xmlns:a16="http://schemas.microsoft.com/office/drawing/2014/main" id="{F168EB9D-452C-431A-9670-4BD6178E8AF5}"/>
+              </a:ext>
+            </a:extLst>
+          </p:cNvPr>
+          <p:cNvCxnSpPr>
+            <a:cxnSpLocks/>
+            <a:stCxn id="11" idx="1"/>
+          </p:cNvCxnSpPr>
+          <p:nvPr/>
+        </p:nvCxnSpPr>
+        <p:spPr>
+          <a:xfrm flipH="1">
+            <a:off x="4112332" y="4210792"/>
+            <a:ext cx="731162" cy="0"/>
+          </a:xfrm>
+          <a:prstGeom prst="straightConnector1">
+            <a:avLst/>
+          </a:prstGeom>
+          <a:ln w="50800">
+            <a:solidFill>
+              <a:schemeClr val="accent3"/>
+            </a:solidFill>
+            <a:tailEnd type="triangle"/>
+          </a:ln>
+        </p:spPr>
+        <p:style>
+          <a:lnRef idx="3">
+            <a:schemeClr val="accent6"/>
+          </a:lnRef>
+          <a:fillRef idx="0">
+            <a:schemeClr val="accent6"/>
+          </a:fillRef>
+          <a:effectRef idx="2">
+            <a:schemeClr val="accent6"/>
+          </a:effectRef>
+          <a:fontRef idx="minor">
+            <a:schemeClr val="tx1"/>
+          </a:fontRef>
+        </p:style>
+      </p:cxnSp>
+      <p:cxnSp>
+        <p:nvCxnSpPr>
+          <p:cNvPr id="30" name="Connecteur droit avec flèche 29">
+            <a:extLst>
+              <a:ext uri="{FF2B5EF4-FFF2-40B4-BE49-F238E27FC236}">
+                <a16:creationId xmlns:a16="http://schemas.microsoft.com/office/drawing/2014/main" id="{938A0F62-5E40-4422-93F6-12BF1C41C6DC}"/>
+              </a:ext>
+            </a:extLst>
+          </p:cNvPr>
+          <p:cNvCxnSpPr>
+            <a:cxnSpLocks/>
+          </p:cNvCxnSpPr>
+          <p:nvPr/>
+        </p:nvCxnSpPr>
+        <p:spPr>
+          <a:xfrm flipH="1">
+            <a:off x="1638219" y="3617123"/>
+            <a:ext cx="895845" cy="0"/>
+          </a:xfrm>
+          <a:prstGeom prst="straightConnector1">
+            <a:avLst/>
+          </a:prstGeom>
+          <a:ln w="50800">
+            <a:solidFill>
+              <a:schemeClr val="accent3"/>
+            </a:solidFill>
+            <a:tailEnd type="triangle"/>
+          </a:ln>
+        </p:spPr>
+        <p:style>
+          <a:lnRef idx="3">
+            <a:schemeClr val="accent6"/>
+          </a:lnRef>
+          <a:fillRef idx="0">
+            <a:schemeClr val="accent6"/>
+          </a:fillRef>
+          <a:effectRef idx="2">
+            <a:schemeClr val="accent6"/>
+          </a:effectRef>
+          <a:fontRef idx="minor">
+            <a:schemeClr val="tx1"/>
+          </a:fontRef>
+        </p:style>
+      </p:cxnSp>
+      <p:cxnSp>
+        <p:nvCxnSpPr>
+          <p:cNvPr id="31" name="Connecteur droit avec flèche 30">
+            <a:extLst>
+              <a:ext uri="{FF2B5EF4-FFF2-40B4-BE49-F238E27FC236}">
+                <a16:creationId xmlns:a16="http://schemas.microsoft.com/office/drawing/2014/main" id="{EF799438-BC66-4626-A8C9-9020169E168E}"/>
+              </a:ext>
+            </a:extLst>
+          </p:cNvPr>
+          <p:cNvCxnSpPr>
+            <a:cxnSpLocks/>
+          </p:cNvCxnSpPr>
+          <p:nvPr/>
+        </p:nvCxnSpPr>
+        <p:spPr>
+          <a:xfrm flipH="1">
+            <a:off x="1638219" y="4220320"/>
+            <a:ext cx="895845" cy="13776"/>
+          </a:xfrm>
+          <a:prstGeom prst="straightConnector1">
+            <a:avLst/>
+          </a:prstGeom>
+          <a:ln w="50800">
+            <a:solidFill>
+              <a:schemeClr val="accent3"/>
+            </a:solidFill>
+            <a:tailEnd type="triangle"/>
+          </a:ln>
+        </p:spPr>
+        <p:style>
+          <a:lnRef idx="3">
+            <a:schemeClr val="accent6"/>
+          </a:lnRef>
+          <a:fillRef idx="0">
+            <a:schemeClr val="accent6"/>
+          </a:fillRef>
+          <a:effectRef idx="2">
+            <a:schemeClr val="accent6"/>
+          </a:effectRef>
+          <a:fontRef idx="minor">
+            <a:schemeClr val="tx1"/>
+          </a:fontRef>
+        </p:style>
+      </p:cxnSp>
+      <p:cxnSp>
+        <p:nvCxnSpPr>
+          <p:cNvPr id="33" name="Connecteur droit avec flèche 32">
+            <a:extLst>
+              <a:ext uri="{FF2B5EF4-FFF2-40B4-BE49-F238E27FC236}">
+                <a16:creationId xmlns:a16="http://schemas.microsoft.com/office/drawing/2014/main" id="{3368B868-6D2D-4405-AA8F-1C152F9356B4}"/>
+              </a:ext>
+            </a:extLst>
+          </p:cNvPr>
+          <p:cNvCxnSpPr>
+            <a:stCxn id="9" idx="2"/>
+            <a:endCxn id="4" idx="0"/>
+          </p:cNvCxnSpPr>
+          <p:nvPr/>
+        </p:nvCxnSpPr>
+        <p:spPr>
+          <a:xfrm>
+            <a:off x="8580752" y="2885806"/>
+            <a:ext cx="0" cy="468582"/>
+          </a:xfrm>
+          <a:prstGeom prst="straightConnector1">
+            <a:avLst/>
+          </a:prstGeom>
+          <a:ln w="50800">
+            <a:tailEnd type="triangle"/>
+          </a:ln>
+        </p:spPr>
+        <p:style>
+          <a:lnRef idx="1">
+            <a:schemeClr val="accent1"/>
+          </a:lnRef>
+          <a:fillRef idx="0">
+            <a:schemeClr val="accent1"/>
+          </a:fillRef>
+          <a:effectRef idx="0">
+            <a:schemeClr val="accent1"/>
+          </a:effectRef>
+          <a:fontRef idx="minor">
+            <a:schemeClr val="tx1"/>
+          </a:fontRef>
+        </p:style>
+      </p:cxnSp>
+      <p:cxnSp>
+        <p:nvCxnSpPr>
+          <p:cNvPr id="34" name="Connecteur droit avec flèche 33">
+            <a:extLst>
+              <a:ext uri="{FF2B5EF4-FFF2-40B4-BE49-F238E27FC236}">
+                <a16:creationId xmlns:a16="http://schemas.microsoft.com/office/drawing/2014/main" id="{52600624-EFFC-4B2C-88FD-D0888FF37C24}"/>
+              </a:ext>
+            </a:extLst>
+          </p:cNvPr>
+          <p:cNvCxnSpPr>
+            <a:cxnSpLocks/>
+          </p:cNvCxnSpPr>
+          <p:nvPr/>
+        </p:nvCxnSpPr>
+        <p:spPr>
+          <a:xfrm flipV="1">
+            <a:off x="9341197" y="3644278"/>
+            <a:ext cx="711840" cy="14309"/>
+          </a:xfrm>
+          <a:prstGeom prst="straightConnector1">
+            <a:avLst/>
+          </a:prstGeom>
+          <a:ln w="50800">
+            <a:tailEnd type="triangle"/>
+          </a:ln>
+        </p:spPr>
+        <p:style>
+          <a:lnRef idx="1">
+            <a:schemeClr val="accent1"/>
+          </a:lnRef>
+          <a:fillRef idx="0">
+            <a:schemeClr val="accent1"/>
+          </a:fillRef>
+          <a:effectRef idx="0">
+            <a:schemeClr val="accent1"/>
+          </a:effectRef>
+          <a:fontRef idx="minor">
+            <a:schemeClr val="tx1"/>
+          </a:fontRef>
+        </p:style>
+      </p:cxnSp>
+      <p:cxnSp>
+        <p:nvCxnSpPr>
+          <p:cNvPr id="42" name="Connecteur droit avec flèche 41">
+            <a:extLst>
+              <a:ext uri="{FF2B5EF4-FFF2-40B4-BE49-F238E27FC236}">
+                <a16:creationId xmlns:a16="http://schemas.microsoft.com/office/drawing/2014/main" id="{72FAC05D-8FE5-4949-B4F4-C5FE92A84230}"/>
+              </a:ext>
+            </a:extLst>
+          </p:cNvPr>
+          <p:cNvCxnSpPr>
+            <a:stCxn id="5" idx="3"/>
+            <a:endCxn id="17" idx="1"/>
+          </p:cNvCxnSpPr>
+          <p:nvPr/>
+        </p:nvCxnSpPr>
+        <p:spPr>
+          <a:xfrm>
+            <a:off x="1638219" y="3935463"/>
+            <a:ext cx="924534" cy="0"/>
+          </a:xfrm>
+          <a:prstGeom prst="straightConnector1">
+            <a:avLst/>
+          </a:prstGeom>
+          <a:ln w="47625">
+            <a:solidFill>
+              <a:srgbClr val="7030A0"/>
+            </a:solidFill>
+            <a:tailEnd type="triangle"/>
+          </a:ln>
+        </p:spPr>
+        <p:style>
+          <a:lnRef idx="1">
+            <a:schemeClr val="accent1"/>
+          </a:lnRef>
+          <a:fillRef idx="0">
+            <a:schemeClr val="accent1"/>
+          </a:fillRef>
+          <a:effectRef idx="0">
+            <a:schemeClr val="accent1"/>
+          </a:effectRef>
+          <a:fontRef idx="minor">
+            <a:schemeClr val="tx1"/>
+          </a:fontRef>
+        </p:style>
+      </p:cxnSp>
+      <p:cxnSp>
+        <p:nvCxnSpPr>
+          <p:cNvPr id="43" name="Connecteur droit avec flèche 42">
+            <a:extLst>
+              <a:ext uri="{FF2B5EF4-FFF2-40B4-BE49-F238E27FC236}">
+                <a16:creationId xmlns:a16="http://schemas.microsoft.com/office/drawing/2014/main" id="{42F4A6BA-8AB1-48A2-A9BA-972918892B55}"/>
+              </a:ext>
+            </a:extLst>
+          </p:cNvPr>
+          <p:cNvCxnSpPr>
+            <a:cxnSpLocks/>
+            <a:stCxn id="17" idx="2"/>
+            <a:endCxn id="6" idx="0"/>
+          </p:cNvCxnSpPr>
+          <p:nvPr/>
+        </p:nvCxnSpPr>
+        <p:spPr>
+          <a:xfrm flipH="1">
+            <a:off x="1380096" y="4495300"/>
+            <a:ext cx="1943102" cy="945062"/>
+          </a:xfrm>
+          <a:prstGeom prst="straightConnector1">
+            <a:avLst/>
+          </a:prstGeom>
+          <a:ln w="47625">
+            <a:solidFill>
+              <a:srgbClr val="7030A0"/>
+            </a:solidFill>
+            <a:tailEnd type="triangle"/>
+          </a:ln>
+        </p:spPr>
+        <p:style>
+          <a:lnRef idx="1">
+            <a:schemeClr val="accent1"/>
+          </a:lnRef>
+          <a:fillRef idx="0">
+            <a:schemeClr val="accent1"/>
+          </a:fillRef>
+          <a:effectRef idx="0">
+            <a:schemeClr val="accent1"/>
+          </a:effectRef>
+          <a:fontRef idx="minor">
+            <a:schemeClr val="tx1"/>
+          </a:fontRef>
+        </p:style>
+      </p:cxnSp>
+      <p:cxnSp>
+        <p:nvCxnSpPr>
+          <p:cNvPr id="45" name="Connecteur droit avec flèche 44">
+            <a:extLst>
+              <a:ext uri="{FF2B5EF4-FFF2-40B4-BE49-F238E27FC236}">
+                <a16:creationId xmlns:a16="http://schemas.microsoft.com/office/drawing/2014/main" id="{59A49195-05AC-4A2A-BE2C-366AC3ECA30F}"/>
+              </a:ext>
+            </a:extLst>
+          </p:cNvPr>
+          <p:cNvCxnSpPr>
+            <a:cxnSpLocks/>
+            <a:stCxn id="17" idx="2"/>
+            <a:endCxn id="7" idx="0"/>
+          </p:cNvCxnSpPr>
+          <p:nvPr/>
+        </p:nvCxnSpPr>
+        <p:spPr>
+          <a:xfrm>
+            <a:off x="3323198" y="4495300"/>
+            <a:ext cx="0" cy="945062"/>
+          </a:xfrm>
+          <a:prstGeom prst="straightConnector1">
+            <a:avLst/>
+          </a:prstGeom>
+          <a:ln w="47625">
+            <a:solidFill>
+              <a:srgbClr val="7030A0"/>
+            </a:solidFill>
+            <a:tailEnd type="triangle"/>
+          </a:ln>
+        </p:spPr>
+        <p:style>
+          <a:lnRef idx="1">
+            <a:schemeClr val="accent1"/>
+          </a:lnRef>
+          <a:fillRef idx="0">
+            <a:schemeClr val="accent1"/>
+          </a:fillRef>
+          <a:effectRef idx="0">
+            <a:schemeClr val="accent1"/>
+          </a:effectRef>
+          <a:fontRef idx="minor">
+            <a:schemeClr val="tx1"/>
+          </a:fontRef>
+        </p:style>
+      </p:cxnSp>
+      <p:sp>
+        <p:nvSpPr>
+          <p:cNvPr id="48" name="Rectangle 47">
+            <a:extLst>
+              <a:ext uri="{FF2B5EF4-FFF2-40B4-BE49-F238E27FC236}">
+                <a16:creationId xmlns:a16="http://schemas.microsoft.com/office/drawing/2014/main" id="{26FCD6E9-B6AE-40F7-93F6-2CC3CD95A2C6}"/>
+              </a:ext>
+            </a:extLst>
+          </p:cNvPr>
+          <p:cNvSpPr/>
+          <p:nvPr/>
+        </p:nvSpPr>
+        <p:spPr>
+          <a:xfrm>
+            <a:off x="2833340" y="1915356"/>
+            <a:ext cx="1250303" cy="970450"/>
+          </a:xfrm>
+          <a:prstGeom prst="rect">
+            <a:avLst/>
+          </a:prstGeom>
+        </p:spPr>
+        <p:style>
+          <a:lnRef idx="2">
+            <a:schemeClr val="accent1">
+              <a:shade val="50000"/>
+            </a:schemeClr>
+          </a:lnRef>
+          <a:fillRef idx="1">
+            <a:schemeClr val="accent1"/>
+          </a:fillRef>
+          <a:effectRef idx="0">
+            <a:schemeClr val="accent1"/>
+          </a:effectRef>
+          <a:fontRef idx="minor">
+            <a:schemeClr val="lt1"/>
+          </a:fontRef>
+        </p:style>
+        <p:txBody>
+          <a:bodyPr rtlCol="0" anchor="ctr"/>
+          <a:lstStyle/>
+          <a:p>
+            <a:pPr algn="ctr"/>
+            <a:r>
+              <a:rPr lang="fr-FR" dirty="0"/>
+              <a:t>Sortie Console</a:t>
+            </a:r>
+          </a:p>
+        </p:txBody>
+      </p:sp>
+      <p:cxnSp>
+        <p:nvCxnSpPr>
+          <p:cNvPr id="50" name="Connecteur droit avec flèche 49">
+            <a:extLst>
+              <a:ext uri="{FF2B5EF4-FFF2-40B4-BE49-F238E27FC236}">
+                <a16:creationId xmlns:a16="http://schemas.microsoft.com/office/drawing/2014/main" id="{05927BBE-EA3A-409F-A2F4-4F913C105E7B}"/>
+              </a:ext>
+            </a:extLst>
+          </p:cNvPr>
+          <p:cNvCxnSpPr>
+            <a:cxnSpLocks/>
+            <a:stCxn id="17" idx="0"/>
+          </p:cNvCxnSpPr>
+          <p:nvPr/>
+        </p:nvCxnSpPr>
+        <p:spPr>
+          <a:xfrm flipV="1">
+            <a:off x="3323198" y="2885806"/>
+            <a:ext cx="0" cy="489820"/>
+          </a:xfrm>
+          <a:prstGeom prst="straightConnector1">
+            <a:avLst/>
+          </a:prstGeom>
+          <a:ln w="47625">
+            <a:solidFill>
+              <a:srgbClr val="7030A0"/>
+            </a:solidFill>
+            <a:tailEnd type="triangle"/>
+          </a:ln>
+        </p:spPr>
+        <p:style>
+          <a:lnRef idx="1">
+            <a:schemeClr val="accent1"/>
+          </a:lnRef>
+          <a:fillRef idx="0">
+            <a:schemeClr val="accent1"/>
+          </a:fillRef>
+          <a:effectRef idx="0">
+            <a:schemeClr val="accent1"/>
+          </a:effectRef>
+          <a:fontRef idx="minor">
+            <a:schemeClr val="tx1"/>
+          </a:fontRef>
+        </p:style>
+      </p:cxnSp>
+      <p:cxnSp>
+        <p:nvCxnSpPr>
+          <p:cNvPr id="54" name="Connecteur droit avec flèche 53">
+            <a:extLst>
+              <a:ext uri="{FF2B5EF4-FFF2-40B4-BE49-F238E27FC236}">
+                <a16:creationId xmlns:a16="http://schemas.microsoft.com/office/drawing/2014/main" id="{620FF2CC-DA45-45FE-8C7D-AFF610E913F0}"/>
+              </a:ext>
+            </a:extLst>
+          </p:cNvPr>
+          <p:cNvCxnSpPr/>
+          <p:nvPr/>
+        </p:nvCxnSpPr>
+        <p:spPr>
+          <a:xfrm flipH="1">
+            <a:off x="9341197" y="4065476"/>
+            <a:ext cx="711840" cy="0"/>
+          </a:xfrm>
+          <a:prstGeom prst="straightConnector1">
+            <a:avLst/>
+          </a:prstGeom>
+          <a:ln w="50800">
+            <a:solidFill>
+              <a:schemeClr val="accent4">
+                <a:lumMod val="50000"/>
+              </a:schemeClr>
+            </a:solidFill>
+            <a:tailEnd type="triangle"/>
+          </a:ln>
+        </p:spPr>
+        <p:style>
+          <a:lnRef idx="1">
+            <a:schemeClr val="accent1"/>
+          </a:lnRef>
+          <a:fillRef idx="0">
+            <a:schemeClr val="accent1"/>
+          </a:fillRef>
+          <a:effectRef idx="0">
+            <a:schemeClr val="accent1"/>
+          </a:effectRef>
+          <a:fontRef idx="minor">
+            <a:schemeClr val="tx1"/>
+          </a:fontRef>
+        </p:style>
+      </p:cxnSp>
+      <p:cxnSp>
+        <p:nvCxnSpPr>
+          <p:cNvPr id="56" name="Connecteur : en angle 55">
+            <a:extLst>
+              <a:ext uri="{FF2B5EF4-FFF2-40B4-BE49-F238E27FC236}">
+                <a16:creationId xmlns:a16="http://schemas.microsoft.com/office/drawing/2014/main" id="{93DE77A9-179F-4EEE-94FB-BC47A1C35C3D}"/>
+              </a:ext>
+            </a:extLst>
+          </p:cNvPr>
+          <p:cNvCxnSpPr>
+            <a:cxnSpLocks/>
+          </p:cNvCxnSpPr>
+          <p:nvPr/>
+        </p:nvCxnSpPr>
+        <p:spPr>
+          <a:xfrm rot="10800000">
+            <a:off x="4068374" y="2245793"/>
+            <a:ext cx="3715919" cy="1165839"/>
+          </a:xfrm>
+          <a:prstGeom prst="bentConnector3">
+            <a:avLst>
+              <a:gd name="adj1" fmla="val 9516"/>
+            </a:avLst>
+          </a:prstGeom>
+          <a:ln w="50800">
+            <a:solidFill>
+              <a:schemeClr val="accent4">
+                <a:lumMod val="50000"/>
+              </a:schemeClr>
+            </a:solidFill>
+            <a:tailEnd type="triangle"/>
+          </a:ln>
+        </p:spPr>
+        <p:style>
+          <a:lnRef idx="1">
+            <a:schemeClr val="accent1"/>
+          </a:lnRef>
+          <a:fillRef idx="0">
+            <a:schemeClr val="accent1"/>
+          </a:fillRef>
+          <a:effectRef idx="0">
+            <a:schemeClr val="accent1"/>
+          </a:effectRef>
+          <a:fontRef idx="minor">
+            <a:schemeClr val="tx1"/>
+          </a:fontRef>
+        </p:style>
+      </p:cxnSp>
+      <p:sp>
+        <p:nvSpPr>
+          <p:cNvPr id="67" name="ZoneTexte 66">
+            <a:extLst>
+              <a:ext uri="{FF2B5EF4-FFF2-40B4-BE49-F238E27FC236}">
+                <a16:creationId xmlns:a16="http://schemas.microsoft.com/office/drawing/2014/main" id="{A50F6FC1-8AE9-40BB-A276-65920B1D4215}"/>
+              </a:ext>
+            </a:extLst>
+          </p:cNvPr>
+          <p:cNvSpPr txBox="1"/>
+          <p:nvPr/>
+        </p:nvSpPr>
+        <p:spPr>
+          <a:xfrm>
+            <a:off x="2247415" y="2935431"/>
+            <a:ext cx="1370003" cy="369332"/>
+          </a:xfrm>
+          <a:prstGeom prst="rect">
+            <a:avLst/>
+          </a:prstGeom>
+          <a:noFill/>
+        </p:spPr>
+        <p:txBody>
+          <a:bodyPr wrap="square" rtlCol="0">
+            <a:spAutoFit/>
+          </a:bodyPr>
+          <a:lstStyle/>
+          <a:p>
+            <a:r>
+              <a:rPr lang="fr-FR" dirty="0"/>
+              <a:t>TIM2 (1s)</a:t>
+            </a:r>
+          </a:p>
+        </p:txBody>
+      </p:sp>
+      <p:sp>
+        <p:nvSpPr>
+          <p:cNvPr id="68" name="ZoneTexte 67">
+            <a:extLst>
+              <a:ext uri="{FF2B5EF4-FFF2-40B4-BE49-F238E27FC236}">
+                <a16:creationId xmlns:a16="http://schemas.microsoft.com/office/drawing/2014/main" id="{3001E668-F437-4925-8895-9160D396F616}"/>
+              </a:ext>
+            </a:extLst>
+          </p:cNvPr>
+          <p:cNvSpPr txBox="1"/>
+          <p:nvPr/>
+        </p:nvSpPr>
+        <p:spPr>
+          <a:xfrm>
+            <a:off x="3880227" y="5586040"/>
+            <a:ext cx="1926534" cy="646331"/>
+          </a:xfrm>
+          <a:prstGeom prst="rect">
+            <a:avLst/>
+          </a:prstGeom>
+          <a:noFill/>
+        </p:spPr>
+        <p:txBody>
+          <a:bodyPr wrap="square" rtlCol="0">
+            <a:spAutoFit/>
+          </a:bodyPr>
+          <a:lstStyle/>
+          <a:p>
+            <a:pPr algn="ctr"/>
+            <a:r>
+              <a:rPr lang="fr-FR" dirty="0"/>
+              <a:t>TIM3 </a:t>
+            </a:r>
+            <a:r>
+              <a:rPr lang="fr-FR" dirty="0" err="1"/>
+              <a:t>channel</a:t>
+            </a:r>
+            <a:r>
+              <a:rPr lang="fr-FR" dirty="0"/>
+              <a:t> 2 (PWM)</a:t>
+            </a:r>
+          </a:p>
+        </p:txBody>
+      </p:sp>
+      <p:sp>
+        <p:nvSpPr>
+          <p:cNvPr id="69" name="ZoneTexte 68">
+            <a:extLst>
+              <a:ext uri="{FF2B5EF4-FFF2-40B4-BE49-F238E27FC236}">
+                <a16:creationId xmlns:a16="http://schemas.microsoft.com/office/drawing/2014/main" id="{E181FFBE-551E-4ADA-B5BA-E3167762567A}"/>
+              </a:ext>
+            </a:extLst>
+          </p:cNvPr>
+          <p:cNvSpPr txBox="1"/>
+          <p:nvPr/>
+        </p:nvSpPr>
+        <p:spPr>
+          <a:xfrm>
+            <a:off x="9468727" y="4495300"/>
+            <a:ext cx="1943098" cy="646331"/>
+          </a:xfrm>
+          <a:prstGeom prst="rect">
+            <a:avLst/>
+          </a:prstGeom>
+          <a:noFill/>
+        </p:spPr>
+        <p:txBody>
+          <a:bodyPr wrap="square" rtlCol="0">
+            <a:spAutoFit/>
+          </a:bodyPr>
+          <a:lstStyle/>
+          <a:p>
+            <a:pPr algn="ctr"/>
+            <a:r>
+              <a:rPr lang="fr-FR" dirty="0"/>
+              <a:t>TIM3 </a:t>
+            </a:r>
+            <a:r>
+              <a:rPr lang="fr-FR" dirty="0" err="1"/>
+              <a:t>channel</a:t>
+            </a:r>
+            <a:r>
+              <a:rPr lang="fr-FR" dirty="0"/>
+              <a:t> 1 (PWM)</a:t>
+            </a:r>
+          </a:p>
+        </p:txBody>
+      </p:sp>
+      <p:sp>
+        <p:nvSpPr>
+          <p:cNvPr id="70" name="ZoneTexte 69">
+            <a:extLst>
+              <a:ext uri="{FF2B5EF4-FFF2-40B4-BE49-F238E27FC236}">
+                <a16:creationId xmlns:a16="http://schemas.microsoft.com/office/drawing/2014/main" id="{E1DE661D-62F7-4E09-BB3B-4362077DC2F4}"/>
+              </a:ext>
+            </a:extLst>
+          </p:cNvPr>
+          <p:cNvSpPr txBox="1"/>
+          <p:nvPr/>
+        </p:nvSpPr>
+        <p:spPr>
+          <a:xfrm>
+            <a:off x="1376448" y="4836150"/>
+            <a:ext cx="532465" cy="369332"/>
+          </a:xfrm>
+          <a:prstGeom prst="rect">
+            <a:avLst/>
+          </a:prstGeom>
+          <a:noFill/>
+        </p:spPr>
+        <p:txBody>
+          <a:bodyPr wrap="square" rtlCol="0">
+            <a:spAutoFit/>
+          </a:bodyPr>
+          <a:lstStyle/>
+          <a:p>
+            <a:r>
+              <a:rPr lang="fr-FR" dirty="0"/>
+              <a:t>SPI</a:t>
+            </a:r>
+          </a:p>
+        </p:txBody>
+      </p:sp>
+      <p:sp>
+        <p:nvSpPr>
+          <p:cNvPr id="74" name="ZoneTexte 73">
+            <a:extLst>
+              <a:ext uri="{FF2B5EF4-FFF2-40B4-BE49-F238E27FC236}">
+                <a16:creationId xmlns:a16="http://schemas.microsoft.com/office/drawing/2014/main" id="{AE700D34-0C18-41FD-B558-BF655B980168}"/>
+              </a:ext>
+            </a:extLst>
+          </p:cNvPr>
+          <p:cNvSpPr txBox="1"/>
+          <p:nvPr/>
+        </p:nvSpPr>
+        <p:spPr>
+          <a:xfrm>
+            <a:off x="1436043" y="3135970"/>
+            <a:ext cx="633439" cy="369332"/>
+          </a:xfrm>
+          <a:prstGeom prst="rect">
+            <a:avLst/>
+          </a:prstGeom>
+          <a:noFill/>
+        </p:spPr>
+        <p:txBody>
+          <a:bodyPr wrap="square" rtlCol="0">
+            <a:spAutoFit/>
+          </a:bodyPr>
+          <a:lstStyle/>
+          <a:p>
+            <a:r>
+              <a:rPr lang="fr-FR" dirty="0"/>
+              <a:t>I2C</a:t>
+            </a:r>
+          </a:p>
+        </p:txBody>
+      </p:sp>
+      <p:sp>
+        <p:nvSpPr>
+          <p:cNvPr id="78" name="ZoneTexte 77">
+            <a:extLst>
+              <a:ext uri="{FF2B5EF4-FFF2-40B4-BE49-F238E27FC236}">
+                <a16:creationId xmlns:a16="http://schemas.microsoft.com/office/drawing/2014/main" id="{BA72CEAE-C3C1-4711-B75E-93B58B6A1302}"/>
+              </a:ext>
+            </a:extLst>
+          </p:cNvPr>
+          <p:cNvSpPr txBox="1"/>
+          <p:nvPr/>
+        </p:nvSpPr>
+        <p:spPr>
+          <a:xfrm>
+            <a:off x="7208088" y="4616318"/>
+            <a:ext cx="1943098" cy="369332"/>
+          </a:xfrm>
+          <a:prstGeom prst="rect">
+            <a:avLst/>
+          </a:prstGeom>
+          <a:noFill/>
+        </p:spPr>
+        <p:txBody>
+          <a:bodyPr wrap="square" rtlCol="0">
+            <a:spAutoFit/>
+          </a:bodyPr>
+          <a:lstStyle/>
+          <a:p>
+            <a:r>
+              <a:rPr lang="fr-FR" dirty="0"/>
+              <a:t>GPIOs EXT_IT</a:t>
+            </a:r>
+          </a:p>
+        </p:txBody>
+      </p:sp>
+      <p:sp>
+        <p:nvSpPr>
+          <p:cNvPr id="79" name="ZoneTexte 78">
+            <a:extLst>
+              <a:ext uri="{FF2B5EF4-FFF2-40B4-BE49-F238E27FC236}">
+                <a16:creationId xmlns:a16="http://schemas.microsoft.com/office/drawing/2014/main" id="{334A6D8F-1A64-4548-9F29-60F932160C8B}"/>
+              </a:ext>
+            </a:extLst>
+          </p:cNvPr>
+          <p:cNvSpPr txBox="1"/>
+          <p:nvPr/>
+        </p:nvSpPr>
+        <p:spPr>
+          <a:xfrm>
+            <a:off x="3471061" y="4615788"/>
+            <a:ext cx="1667355" cy="369332"/>
+          </a:xfrm>
+          <a:prstGeom prst="rect">
+            <a:avLst/>
+          </a:prstGeom>
+          <a:noFill/>
+        </p:spPr>
+        <p:txBody>
+          <a:bodyPr wrap="square" rtlCol="0">
+            <a:spAutoFit/>
+          </a:bodyPr>
+          <a:lstStyle/>
+          <a:p>
+            <a:r>
+              <a:rPr lang="fr-FR" dirty="0"/>
+              <a:t>GPIOs EXT_IT</a:t>
+            </a:r>
+          </a:p>
+        </p:txBody>
+      </p:sp>
     </p:spTree>
     <p:extLst>
       <p:ext uri="{BB962C8B-B14F-4D97-AF65-F5344CB8AC3E}">
         <p14:creationId xmlns:p14="http://schemas.microsoft.com/office/powerpoint/2010/main" val="2430766794"/>
+      </p:ext>
+    </p:extLst>
+  </p:cSld>
+  <p:clrMapOvr>
+    <a:masterClrMapping/>
+  </p:clrMapOvr>
+</p:sld>
+</file>
+
+<file path=ppt/slides/slide5.xml><?xml version="1.0" encoding="utf-8"?>
+<p:sld xmlns:a="http://schemas.openxmlformats.org/drawingml/2006/main" xmlns:r="http://schemas.openxmlformats.org/officeDocument/2006/relationships" xmlns:p="http://schemas.openxmlformats.org/presentationml/2006/main">
+  <p:cSld>
+    <p:spTree>
+      <p:nvGrpSpPr>
+        <p:cNvPr id="1" name=""/>
+        <p:cNvGrpSpPr/>
+        <p:nvPr/>
+      </p:nvGrpSpPr>
+      <p:grpSpPr>
+        <a:xfrm>
+          <a:off x="0" y="0"/>
+          <a:ext cx="0" cy="0"/>
+          <a:chOff x="0" y="0"/>
+          <a:chExt cx="0" cy="0"/>
+        </a:xfrm>
+      </p:grpSpPr>
+      <p:sp>
+        <p:nvSpPr>
+          <p:cNvPr id="2" name="Titre 1">
+            <a:extLst>
+              <a:ext uri="{FF2B5EF4-FFF2-40B4-BE49-F238E27FC236}">
+                <a16:creationId xmlns:a16="http://schemas.microsoft.com/office/drawing/2014/main" id="{506B0B54-766D-4F18-AF00-4BD3AB9C12F7}"/>
+              </a:ext>
+            </a:extLst>
+          </p:cNvPr>
+          <p:cNvSpPr>
+            <a:spLocks noGrp="1"/>
+          </p:cNvSpPr>
+          <p:nvPr>
+            <p:ph type="title"/>
+          </p:nvPr>
+        </p:nvSpPr>
+        <p:spPr/>
+        <p:txBody>
+          <a:bodyPr/>
+          <a:lstStyle/>
+          <a:p>
+            <a:r>
+              <a:rPr lang="fr-FR" dirty="0"/>
+              <a:t>AMELIORATIONS ET IDEES</a:t>
+            </a:r>
+          </a:p>
+        </p:txBody>
+      </p:sp>
+      <p:sp>
+        <p:nvSpPr>
+          <p:cNvPr id="3" name="Espace réservé du contenu 2">
+            <a:extLst>
+              <a:ext uri="{FF2B5EF4-FFF2-40B4-BE49-F238E27FC236}">
+                <a16:creationId xmlns:a16="http://schemas.microsoft.com/office/drawing/2014/main" id="{132FAAA8-ECC3-44A3-ADF2-447189FD85C1}"/>
+              </a:ext>
+            </a:extLst>
+          </p:cNvPr>
+          <p:cNvSpPr>
+            <a:spLocks noGrp="1"/>
+          </p:cNvSpPr>
+          <p:nvPr>
+            <p:ph idx="1"/>
+          </p:nvPr>
+        </p:nvSpPr>
+        <p:spPr/>
+        <p:txBody>
+          <a:bodyPr/>
+          <a:lstStyle/>
+          <a:p>
+            <a:r>
+              <a:rPr lang="fr-FR" dirty="0"/>
+              <a:t>Optimisation du code</a:t>
+            </a:r>
+          </a:p>
+          <a:p>
+            <a:r>
+              <a:rPr lang="fr-FR" dirty="0"/>
+              <a:t>Gestion automatique de la vitesse du moteur en fonction de la température</a:t>
+            </a:r>
+          </a:p>
+          <a:p>
+            <a:r>
+              <a:rPr lang="fr-FR" dirty="0"/>
+              <a:t>Gérer les températures négatives (complément à 2)</a:t>
+            </a:r>
+          </a:p>
+          <a:p>
+            <a:r>
+              <a:rPr lang="fr-FR" dirty="0"/>
+              <a:t>Indice de la vitesse du moteur avec les 8 LED</a:t>
+            </a:r>
+          </a:p>
+          <a:p>
+            <a:r>
+              <a:rPr lang="fr-FR" dirty="0"/>
+              <a:t>Etc.</a:t>
+            </a:r>
+          </a:p>
+          <a:p>
+            <a:endParaRPr lang="fr-FR" dirty="0"/>
+          </a:p>
+          <a:p>
+            <a:endParaRPr lang="fr-FR" dirty="0"/>
+          </a:p>
+        </p:txBody>
+      </p:sp>
+    </p:spTree>
+    <p:extLst>
+      <p:ext uri="{BB962C8B-B14F-4D97-AF65-F5344CB8AC3E}">
+        <p14:creationId xmlns:p14="http://schemas.microsoft.com/office/powerpoint/2010/main" val="2985911563"/>
       </p:ext>
     </p:extLst>
   </p:cSld>
@@ -6576,4 +8179,299 @@
     </a:ext>
   </a:extLst>
 </a:theme>
+</file>
+
+<file path=ppt/theme/theme2.xml><?xml version="1.0" encoding="utf-8"?>
+<a:theme xmlns:a="http://schemas.openxmlformats.org/drawingml/2006/main" name="Thème Office">
+  <a:themeElements>
+    <a:clrScheme name="Office">
+      <a:dk1>
+        <a:sysClr val="windowText" lastClr="000000"/>
+      </a:dk1>
+      <a:lt1>
+        <a:sysClr val="window" lastClr="FFFFFF"/>
+      </a:lt1>
+      <a:dk2>
+        <a:srgbClr val="44546A"/>
+      </a:dk2>
+      <a:lt2>
+        <a:srgbClr val="E7E6E6"/>
+      </a:lt2>
+      <a:accent1>
+        <a:srgbClr val="4472C4"/>
+      </a:accent1>
+      <a:accent2>
+        <a:srgbClr val="ED7D31"/>
+      </a:accent2>
+      <a:accent3>
+        <a:srgbClr val="A5A5A5"/>
+      </a:accent3>
+      <a:accent4>
+        <a:srgbClr val="FFC000"/>
+      </a:accent4>
+      <a:accent5>
+        <a:srgbClr val="5B9BD5"/>
+      </a:accent5>
+      <a:accent6>
+        <a:srgbClr val="70AD47"/>
+      </a:accent6>
+      <a:hlink>
+        <a:srgbClr val="0563C1"/>
+      </a:hlink>
+      <a:folHlink>
+        <a:srgbClr val="954F72"/>
+      </a:folHlink>
+    </a:clrScheme>
+    <a:fontScheme name="Office">
+      <a:majorFont>
+        <a:latin typeface="Calibri Light" panose="020F0302020204030204"/>
+        <a:ea typeface=""/>
+        <a:cs typeface=""/>
+        <a:font script="Jpan" typeface="游ゴシック Light"/>
+        <a:font script="Hang" typeface="맑은 고딕"/>
+        <a:font script="Hans" typeface="等线 Light"/>
+        <a:font script="Hant" typeface="新細明體"/>
+        <a:font script="Arab" typeface="Times New Roman"/>
+        <a:font script="Hebr" typeface="Times New Roman"/>
+        <a:font script="Thai" typeface="Angsana New"/>
+        <a:font script="Ethi" typeface="Nyala"/>
+        <a:font script="Beng" typeface="Vrinda"/>
+        <a:font script="Gujr" typeface="Shruti"/>
+        <a:font script="Khmr" typeface="MoolBoran"/>
+        <a:font script="Knda" typeface="Tunga"/>
+        <a:font script="Guru" typeface="Raavi"/>
+        <a:font script="Cans" typeface="Euphemia"/>
+        <a:font script="Cher" typeface="Plantagenet Cherokee"/>
+        <a:font script="Yiii" typeface="Microsoft Yi Baiti"/>
+        <a:font script="Tibt" typeface="Microsoft Himalaya"/>
+        <a:font script="Thaa" typeface="MV Boli"/>
+        <a:font script="Deva" typeface="Mangal"/>
+        <a:font script="Telu" typeface="Gautami"/>
+        <a:font script="Taml" typeface="Latha"/>
+        <a:font script="Syrc" typeface="Estrangelo Edessa"/>
+        <a:font script="Orya" typeface="Kalinga"/>
+        <a:font script="Mlym" typeface="Kartika"/>
+        <a:font script="Laoo" typeface="DokChampa"/>
+        <a:font script="Sinh" typeface="Iskoola Pota"/>
+        <a:font script="Mong" typeface="Mongolian Baiti"/>
+        <a:font script="Viet" typeface="Times New Roman"/>
+        <a:font script="Uigh" typeface="Microsoft Uighur"/>
+        <a:font script="Geor" typeface="Sylfaen"/>
+        <a:font script="Armn" typeface="Arial"/>
+        <a:font script="Bugi" typeface="Leelawadee UI"/>
+        <a:font script="Bopo" typeface="Microsoft JhengHei"/>
+        <a:font script="Java" typeface="Javanese Text"/>
+        <a:font script="Lisu" typeface="Segoe UI"/>
+        <a:font script="Mymr" typeface="Myanmar Text"/>
+        <a:font script="Nkoo" typeface="Ebrima"/>
+        <a:font script="Olck" typeface="Nirmala UI"/>
+        <a:font script="Osma" typeface="Ebrima"/>
+        <a:font script="Phag" typeface="Phagspa"/>
+        <a:font script="Syrn" typeface="Estrangelo Edessa"/>
+        <a:font script="Syrj" typeface="Estrangelo Edessa"/>
+        <a:font script="Syre" typeface="Estrangelo Edessa"/>
+        <a:font script="Sora" typeface="Nirmala UI"/>
+        <a:font script="Tale" typeface="Microsoft Tai Le"/>
+        <a:font script="Talu" typeface="Microsoft New Tai Lue"/>
+        <a:font script="Tfng" typeface="Ebrima"/>
+      </a:majorFont>
+      <a:minorFont>
+        <a:latin typeface="Calibri" panose="020F0502020204030204"/>
+        <a:ea typeface=""/>
+        <a:cs typeface=""/>
+        <a:font script="Jpan" typeface="游ゴシック"/>
+        <a:font script="Hang" typeface="맑은 고딕"/>
+        <a:font script="Hans" typeface="等线"/>
+        <a:font script="Hant" typeface="新細明體"/>
+        <a:font script="Arab" typeface="Arial"/>
+        <a:font script="Hebr" typeface="Arial"/>
+        <a:font script="Thai" typeface="Cordia New"/>
+        <a:font script="Ethi" typeface="Nyala"/>
+        <a:font script="Beng" typeface="Vrinda"/>
+        <a:font script="Gujr" typeface="Shruti"/>
+        <a:font script="Khmr" typeface="DaunPenh"/>
+        <a:font script="Knda" typeface="Tunga"/>
+        <a:font script="Guru" typeface="Raavi"/>
+        <a:font script="Cans" typeface="Euphemia"/>
+        <a:font script="Cher" typeface="Plantagenet Cherokee"/>
+        <a:font script="Yiii" typeface="Microsoft Yi Baiti"/>
+        <a:font script="Tibt" typeface="Microsoft Himalaya"/>
+        <a:font script="Thaa" typeface="MV Boli"/>
+        <a:font script="Deva" typeface="Mangal"/>
+        <a:font script="Telu" typeface="Gautami"/>
+        <a:font script="Taml" typeface="Latha"/>
+        <a:font script="Syrc" typeface="Estrangelo Edessa"/>
+        <a:font script="Orya" typeface="Kalinga"/>
+        <a:font script="Mlym" typeface="Kartika"/>
+        <a:font script="Laoo" typeface="DokChampa"/>
+        <a:font script="Sinh" typeface="Iskoola Pota"/>
+        <a:font script="Mong" typeface="Mongolian Baiti"/>
+        <a:font script="Viet" typeface="Arial"/>
+        <a:font script="Uigh" typeface="Microsoft Uighur"/>
+        <a:font script="Geor" typeface="Sylfaen"/>
+        <a:font script="Armn" typeface="Arial"/>
+        <a:font script="Bugi" typeface="Leelawadee UI"/>
+        <a:font script="Bopo" typeface="Microsoft JhengHei"/>
+        <a:font script="Java" typeface="Javanese Text"/>
+        <a:font script="Lisu" typeface="Segoe UI"/>
+        <a:font script="Mymr" typeface="Myanmar Text"/>
+        <a:font script="Nkoo" typeface="Ebrima"/>
+        <a:font script="Olck" typeface="Nirmala UI"/>
+        <a:font script="Osma" typeface="Ebrima"/>
+        <a:font script="Phag" typeface="Phagspa"/>
+        <a:font script="Syrn" typeface="Estrangelo Edessa"/>
+        <a:font script="Syrj" typeface="Estrangelo Edessa"/>
+        <a:font script="Syre" typeface="Estrangelo Edessa"/>
+        <a:font script="Sora" typeface="Nirmala UI"/>
+        <a:font script="Tale" typeface="Microsoft Tai Le"/>
+        <a:font script="Talu" typeface="Microsoft New Tai Lue"/>
+        <a:font script="Tfng" typeface="Ebrima"/>
+      </a:minorFont>
+    </a:fontScheme>
+    <a:fmtScheme name="Office">
+      <a:fillStyleLst>
+        <a:solidFill>
+          <a:schemeClr val="phClr"/>
+        </a:solidFill>
+        <a:gradFill rotWithShape="1">
+          <a:gsLst>
+            <a:gs pos="0">
+              <a:schemeClr val="phClr">
+                <a:lumMod val="110000"/>
+                <a:satMod val="105000"/>
+                <a:tint val="67000"/>
+              </a:schemeClr>
+            </a:gs>
+            <a:gs pos="50000">
+              <a:schemeClr val="phClr">
+                <a:lumMod val="105000"/>
+                <a:satMod val="103000"/>
+                <a:tint val="73000"/>
+              </a:schemeClr>
+            </a:gs>
+            <a:gs pos="100000">
+              <a:schemeClr val="phClr">
+                <a:lumMod val="105000"/>
+                <a:satMod val="109000"/>
+                <a:tint val="81000"/>
+              </a:schemeClr>
+            </a:gs>
+          </a:gsLst>
+          <a:lin ang="5400000" scaled="0"/>
+        </a:gradFill>
+        <a:gradFill rotWithShape="1">
+          <a:gsLst>
+            <a:gs pos="0">
+              <a:schemeClr val="phClr">
+                <a:satMod val="103000"/>
+                <a:lumMod val="102000"/>
+                <a:tint val="94000"/>
+              </a:schemeClr>
+            </a:gs>
+            <a:gs pos="50000">
+              <a:schemeClr val="phClr">
+                <a:satMod val="110000"/>
+                <a:lumMod val="100000"/>
+                <a:shade val="100000"/>
+              </a:schemeClr>
+            </a:gs>
+            <a:gs pos="100000">
+              <a:schemeClr val="phClr">
+                <a:lumMod val="99000"/>
+                <a:satMod val="120000"/>
+                <a:shade val="78000"/>
+              </a:schemeClr>
+            </a:gs>
+          </a:gsLst>
+          <a:lin ang="5400000" scaled="0"/>
+        </a:gradFill>
+      </a:fillStyleLst>
+      <a:lnStyleLst>
+        <a:ln w="6350" cap="flat" cmpd="sng" algn="ctr">
+          <a:solidFill>
+            <a:schemeClr val="phClr"/>
+          </a:solidFill>
+          <a:prstDash val="solid"/>
+          <a:miter lim="800000"/>
+        </a:ln>
+        <a:ln w="12700" cap="flat" cmpd="sng" algn="ctr">
+          <a:solidFill>
+            <a:schemeClr val="phClr"/>
+          </a:solidFill>
+          <a:prstDash val="solid"/>
+          <a:miter lim="800000"/>
+        </a:ln>
+        <a:ln w="19050" cap="flat" cmpd="sng" algn="ctr">
+          <a:solidFill>
+            <a:schemeClr val="phClr"/>
+          </a:solidFill>
+          <a:prstDash val="solid"/>
+          <a:miter lim="800000"/>
+        </a:ln>
+      </a:lnStyleLst>
+      <a:effectStyleLst>
+        <a:effectStyle>
+          <a:effectLst/>
+        </a:effectStyle>
+        <a:effectStyle>
+          <a:effectLst/>
+        </a:effectStyle>
+        <a:effectStyle>
+          <a:effectLst>
+            <a:outerShdw blurRad="57150" dist="19050" dir="5400000" algn="ctr" rotWithShape="0">
+              <a:srgbClr val="000000">
+                <a:alpha val="63000"/>
+              </a:srgbClr>
+            </a:outerShdw>
+          </a:effectLst>
+        </a:effectStyle>
+      </a:effectStyleLst>
+      <a:bgFillStyleLst>
+        <a:solidFill>
+          <a:schemeClr val="phClr"/>
+        </a:solidFill>
+        <a:solidFill>
+          <a:schemeClr val="phClr">
+            <a:tint val="95000"/>
+            <a:satMod val="170000"/>
+          </a:schemeClr>
+        </a:solidFill>
+        <a:gradFill rotWithShape="1">
+          <a:gsLst>
+            <a:gs pos="0">
+              <a:schemeClr val="phClr">
+                <a:tint val="93000"/>
+                <a:satMod val="150000"/>
+                <a:shade val="98000"/>
+                <a:lumMod val="102000"/>
+              </a:schemeClr>
+            </a:gs>
+            <a:gs pos="50000">
+              <a:schemeClr val="phClr">
+                <a:tint val="98000"/>
+                <a:satMod val="130000"/>
+                <a:shade val="90000"/>
+                <a:lumMod val="103000"/>
+              </a:schemeClr>
+            </a:gs>
+            <a:gs pos="100000">
+              <a:schemeClr val="phClr">
+                <a:shade val="63000"/>
+                <a:satMod val="120000"/>
+              </a:schemeClr>
+            </a:gs>
+          </a:gsLst>
+          <a:lin ang="5400000" scaled="0"/>
+        </a:gradFill>
+      </a:bgFillStyleLst>
+    </a:fmtScheme>
+  </a:themeElements>
+  <a:objectDefaults/>
+  <a:extraClrSchemeLst/>
+  <a:extLst>
+    <a:ext uri="{05A4C25C-085E-4340-85A3-A5531E510DB2}">
+      <thm15:themeFamily xmlns:thm15="http://schemas.microsoft.com/office/thememl/2012/main" name="Office Theme" id="{62F939B6-93AF-4DB8-9C6B-D6C7DFDC589F}" vid="{4A3C46E8-61CC-4603-A589-7422A47A8E4A}"/>
+    </a:ext>
+  </a:extLst>
+</a:theme>
 </file>
--- a/Presentation/ProjetSTM32.pptx
+++ b/Presentation/ProjetSTM32.pptx
@@ -5910,6 +5910,45 @@
           </a:p>
         </p:txBody>
       </p:sp>
+      <p:pic>
+        <p:nvPicPr>
+          <p:cNvPr id="6" name="887cba8a-f799-4d8e-ada8-daf4a6b8948b" descr="Image">
+            <a:extLst>
+              <a:ext uri="{FF2B5EF4-FFF2-40B4-BE49-F238E27FC236}">
+                <a16:creationId xmlns:a16="http://schemas.microsoft.com/office/drawing/2014/main" id="{DBDE4B39-9AA1-4011-B95D-6E49B668D87A}"/>
+              </a:ext>
+            </a:extLst>
+          </p:cNvPr>
+          <p:cNvPicPr/>
+          <p:nvPr/>
+        </p:nvPicPr>
+        <p:blipFill>
+          <a:blip r:embed="rId2">
+            <a:extLst>
+              <a:ext uri="{28A0092B-C50C-407E-A947-70E740481C1C}">
+                <a14:useLocalDpi xmlns:a14="http://schemas.microsoft.com/office/drawing/2010/main" val="0"/>
+              </a:ext>
+            </a:extLst>
+          </a:blip>
+          <a:srcRect/>
+          <a:stretch>
+            <a:fillRect/>
+          </a:stretch>
+        </p:blipFill>
+        <p:spPr bwMode="auto">
+          <a:xfrm>
+            <a:off x="8638389" y="141343"/>
+            <a:ext cx="3358950" cy="2429734"/>
+          </a:xfrm>
+          <a:prstGeom prst="rect">
+            <a:avLst/>
+          </a:prstGeom>
+          <a:noFill/>
+          <a:ln>
+            <a:noFill/>
+          </a:ln>
+        </p:spPr>
+      </p:pic>
     </p:spTree>
     <p:extLst>
       <p:ext uri="{BB962C8B-B14F-4D97-AF65-F5344CB8AC3E}">

--- a/Presentation/ProjetSTM32.pptx
+++ b/Presentation/ProjetSTM32.pptx
@@ -654,7 +654,7 @@
           <a:effectLst/>
           <a:extLst>
             <a:ext uri="{91240B29-F687-4f45-9708-019B960494DF}">
-              <a14:hiddenLine xmlns="" xmlns:a14="http://schemas.microsoft.com/office/drawing/2010/main" w="9525">
+              <a14:hiddenLine xmlns:a14="http://schemas.microsoft.com/office/drawing/2010/main" xmlns="" w="9525">
                 <a:solidFill>
                   <a:srgbClr val="000000"/>
                 </a:solidFill>
@@ -2182,7 +2182,7 @@
           <a:ln/>
           <a:extLst>
             <a:ext uri="{91240B29-F687-4f45-9708-019B960494DF}">
-              <a14:hiddenLine xmlns="" xmlns:a14="http://schemas.microsoft.com/office/drawing/2010/main" w="9525">
+              <a14:hiddenLine xmlns:a14="http://schemas.microsoft.com/office/drawing/2010/main" xmlns="" w="9525">
                 <a:solidFill>
                   <a:srgbClr val="000000"/>
                 </a:solidFill>
@@ -2457,7 +2457,7 @@
           <a:ln/>
           <a:extLst>
             <a:ext uri="{91240B29-F687-4f45-9708-019B960494DF}">
-              <a14:hiddenLine xmlns="" xmlns:a14="http://schemas.microsoft.com/office/drawing/2010/main" w="9525">
+              <a14:hiddenLine xmlns:a14="http://schemas.microsoft.com/office/drawing/2010/main" xmlns="" w="9525">
                 <a:solidFill>
                   <a:srgbClr val="000000"/>
                 </a:solidFill>
@@ -2740,7 +2740,7 @@
           <a:ln/>
           <a:extLst>
             <a:ext uri="{91240B29-F687-4f45-9708-019B960494DF}">
-              <a14:hiddenLine xmlns="" xmlns:a14="http://schemas.microsoft.com/office/drawing/2010/main" w="9525">
+              <a14:hiddenLine xmlns:a14="http://schemas.microsoft.com/office/drawing/2010/main" xmlns="" w="9525">
                 <a:solidFill>
                   <a:srgbClr val="000000"/>
                 </a:solidFill>
@@ -3366,7 +3366,7 @@
           <a:ln/>
           <a:extLst>
             <a:ext uri="{91240B29-F687-4f45-9708-019B960494DF}">
-              <a14:hiddenLine xmlns="" xmlns:a14="http://schemas.microsoft.com/office/drawing/2010/main" w="9525">
+              <a14:hiddenLine xmlns:a14="http://schemas.microsoft.com/office/drawing/2010/main" xmlns="" w="9525">
                 <a:solidFill>
                   <a:srgbClr val="000000"/>
                 </a:solidFill>
@@ -3705,7 +3705,7 @@
           <a:ln/>
           <a:extLst>
             <a:ext uri="{91240B29-F687-4f45-9708-019B960494DF}">
-              <a14:hiddenLine xmlns="" xmlns:a14="http://schemas.microsoft.com/office/drawing/2010/main" w="9525">
+              <a14:hiddenLine xmlns:a14="http://schemas.microsoft.com/office/drawing/2010/main" xmlns="" w="9525">
                 <a:solidFill>
                   <a:srgbClr val="000000"/>
                 </a:solidFill>
@@ -4182,7 +4182,7 @@
           <a:ln/>
           <a:extLst>
             <a:ext uri="{91240B29-F687-4f45-9708-019B960494DF}">
-              <a14:hiddenLine xmlns="" xmlns:a14="http://schemas.microsoft.com/office/drawing/2010/main" w="9525">
+              <a14:hiddenLine xmlns:a14="http://schemas.microsoft.com/office/drawing/2010/main" xmlns="" w="9525">
                 <a:solidFill>
                   <a:srgbClr val="000000"/>
                 </a:solidFill>
@@ -4611,7 +4611,7 @@
           <a:ln/>
           <a:extLst>
             <a:ext uri="{91240B29-F687-4f45-9708-019B960494DF}">
-              <a14:hiddenLine xmlns="" xmlns:a14="http://schemas.microsoft.com/office/drawing/2010/main" w="9525">
+              <a14:hiddenLine xmlns:a14="http://schemas.microsoft.com/office/drawing/2010/main" xmlns="" w="9525">
                 <a:solidFill>
                   <a:srgbClr val="000000"/>
                 </a:solidFill>
@@ -7936,12 +7936,6 @@
             <a:r>
               <a:rPr lang="fr-FR" dirty="0"/>
               <a:t>Optimisation du code</a:t>
-            </a:r>
-          </a:p>
-          <a:p>
-            <a:r>
-              <a:rPr lang="fr-FR" dirty="0"/>
-              <a:t>Gestion automatique de la vitesse du moteur en fonction de la température</a:t>
             </a:r>
           </a:p>
           <a:p>
